--- a/PowerPoint Vives Brugge.pptx
+++ b/PowerPoint Vives Brugge.pptx
@@ -5,7 +5,7 @@
     <p:sldMasterId id="2147483648" r:id="rId4"/>
   </p:sldMasterIdLst>
   <p:notesMasterIdLst>
-    <p:notesMasterId r:id="rId15"/>
+    <p:notesMasterId r:id="rId14"/>
   </p:notesMasterIdLst>
   <p:sldIdLst>
     <p:sldId id="256" r:id="rId5"/>
@@ -16,8 +16,7 @@
     <p:sldId id="264" r:id="rId10"/>
     <p:sldId id="265" r:id="rId11"/>
     <p:sldId id="268" r:id="rId12"/>
-    <p:sldId id="266" r:id="rId13"/>
-    <p:sldId id="267" r:id="rId14"/>
+    <p:sldId id="267" r:id="rId13"/>
   </p:sldIdLst>
   <p:sldSz cx="12192000" cy="6858000"/>
   <p:notesSz cx="6858000" cy="9144000"/>
@@ -4448,90 +4447,6 @@
 </p:sld>
 </file>
 
-<file path=ppt/slides/slide10.xml><?xml version="1.0" encoding="utf-8"?>
-<p:sld xmlns:a="http://schemas.openxmlformats.org/drawingml/2006/main" xmlns:r="http://schemas.openxmlformats.org/officeDocument/2006/relationships" xmlns:p="http://schemas.openxmlformats.org/presentationml/2006/main">
-  <p:cSld>
-    <p:spTree>
-      <p:nvGrpSpPr>
-        <p:cNvPr id="1" name=""/>
-        <p:cNvGrpSpPr/>
-        <p:nvPr/>
-      </p:nvGrpSpPr>
-      <p:grpSpPr>
-        <a:xfrm>
-          <a:off x="0" y="0"/>
-          <a:ext cx="0" cy="0"/>
-          <a:chOff x="0" y="0"/>
-          <a:chExt cx="0" cy="0"/>
-        </a:xfrm>
-      </p:grpSpPr>
-      <p:sp>
-        <p:nvSpPr>
-          <p:cNvPr id="2" name="Titel 1">
-            <a:extLst>
-              <a:ext uri="{FF2B5EF4-FFF2-40B4-BE49-F238E27FC236}">
-                <a16:creationId xmlns:a16="http://schemas.microsoft.com/office/drawing/2014/main" id="{E8A6E018-0C91-EE2C-26D5-BEA0B0623A58}"/>
-              </a:ext>
-            </a:extLst>
-          </p:cNvPr>
-          <p:cNvSpPr>
-            <a:spLocks noGrp="1"/>
-          </p:cNvSpPr>
-          <p:nvPr>
-            <p:ph type="title"/>
-          </p:nvPr>
-        </p:nvSpPr>
-        <p:spPr/>
-        <p:txBody>
-          <a:bodyPr/>
-          <a:lstStyle/>
-          <a:p>
-            <a:r>
-              <a:rPr lang="nl-BE" dirty="0"/>
-              <a:t>Conclusie</a:t>
-            </a:r>
-            <a:endParaRPr lang="en-BE" dirty="0"/>
-          </a:p>
-        </p:txBody>
-      </p:sp>
-      <p:sp>
-        <p:nvSpPr>
-          <p:cNvPr id="3" name="Tijdelijke aanduiding voor inhoud 2">
-            <a:extLst>
-              <a:ext uri="{FF2B5EF4-FFF2-40B4-BE49-F238E27FC236}">
-                <a16:creationId xmlns:a16="http://schemas.microsoft.com/office/drawing/2014/main" id="{4D59C86B-6E6B-377C-6F6F-75C722F52CB0}"/>
-              </a:ext>
-            </a:extLst>
-          </p:cNvPr>
-          <p:cNvSpPr>
-            <a:spLocks noGrp="1"/>
-          </p:cNvSpPr>
-          <p:nvPr>
-            <p:ph idx="1"/>
-          </p:nvPr>
-        </p:nvSpPr>
-        <p:spPr/>
-        <p:txBody>
-          <a:bodyPr/>
-          <a:lstStyle/>
-          <a:p>
-            <a:endParaRPr lang="en-BE"/>
-          </a:p>
-        </p:txBody>
-      </p:sp>
-    </p:spTree>
-    <p:extLst>
-      <p:ext uri="{BB962C8B-B14F-4D97-AF65-F5344CB8AC3E}">
-        <p14:creationId xmlns:p14="http://schemas.microsoft.com/office/powerpoint/2010/main" val="135995110"/>
-      </p:ext>
-    </p:extLst>
-  </p:cSld>
-  <p:clrMapOvr>
-    <a:masterClrMapping/>
-  </p:clrMapOvr>
-</p:sld>
-</file>
-
 <file path=ppt/slides/slide2.xml><?xml version="1.0" encoding="utf-8"?>
 <p:sld xmlns:a="http://schemas.openxmlformats.org/drawingml/2006/main" xmlns:r="http://schemas.openxmlformats.org/officeDocument/2006/relationships" xmlns:p="http://schemas.openxmlformats.org/presentationml/2006/main">
   <p:cSld>
@@ -4687,15 +4602,9 @@
             </a:r>
           </a:p>
           <a:p>
-            <a:endParaRPr lang="nl-BE" dirty="0"/>
-          </a:p>
-          <a:p>
-            <a:r>
-              <a:rPr lang="nl-BE" dirty="0"/>
-              <a:t>Visualisatie</a:t>
-            </a:r>
-          </a:p>
-          <a:p>
+            <a:pPr marL="0" indent="0">
+              <a:buNone/>
+            </a:pPr>
             <a:endParaRPr lang="nl-BE" dirty="0"/>
           </a:p>
           <a:p>
@@ -4978,64 +4887,6 @@
           <a:lstStyle/>
           <a:p>
             <a:endParaRPr lang="en-BE"/>
-          </a:p>
-        </p:txBody>
-      </p:sp>
-      <p:sp>
-        <p:nvSpPr>
-          <p:cNvPr id="14" name="Tijdelijke aanduiding voor inhoud 2">
-            <a:extLst>
-              <a:ext uri="{FF2B5EF4-FFF2-40B4-BE49-F238E27FC236}">
-                <a16:creationId xmlns:a16="http://schemas.microsoft.com/office/drawing/2014/main" id="{27F7D0CB-E21E-9F5C-37D3-710EBF30D4A9}"/>
-              </a:ext>
-            </a:extLst>
-          </p:cNvPr>
-          <p:cNvSpPr>
-            <a:spLocks noGrp="1"/>
-          </p:cNvSpPr>
-          <p:nvPr>
-            <p:ph idx="1"/>
-          </p:nvPr>
-        </p:nvSpPr>
-        <p:spPr>
-          <a:xfrm>
-            <a:off x="838200" y="1825625"/>
-            <a:ext cx="10515600" cy="4351338"/>
-          </a:xfrm>
-        </p:spPr>
-        <p:txBody>
-          <a:bodyPr/>
-          <a:lstStyle/>
-          <a:p>
-            <a:r>
-              <a:rPr lang="es-ES" dirty="0"/>
-              <a:t>Edge Impulse</a:t>
-            </a:r>
-          </a:p>
-          <a:p>
-            <a:endParaRPr lang="es-ES" dirty="0"/>
-          </a:p>
-          <a:p>
-            <a:r>
-              <a:rPr lang="es-ES" dirty="0"/>
-              <a:t>MobileNetV2 </a:t>
-            </a:r>
-            <a:r>
-              <a:rPr lang="es-ES" sz="1400" dirty="0"/>
-              <a:t>(160x160 0.35)</a:t>
-            </a:r>
-          </a:p>
-          <a:p>
-            <a:endParaRPr lang="es-ES" dirty="0"/>
-          </a:p>
-          <a:p>
-            <a:pPr marL="0" indent="0">
-              <a:buNone/>
-            </a:pPr>
-            <a:br>
-              <a:rPr lang="es-ES" dirty="0"/>
-            </a:br>
-            <a:endParaRPr lang="en-BE" dirty="0"/>
           </a:p>
         </p:txBody>
       </p:sp>
@@ -5114,6 +4965,599 @@
           </a:extLst>
         </p:spPr>
       </p:pic>
+      <p:sp>
+        <p:nvSpPr>
+          <p:cNvPr id="7" name="Rectangle 4">
+            <a:extLst>
+              <a:ext uri="{FF2B5EF4-FFF2-40B4-BE49-F238E27FC236}">
+                <a16:creationId xmlns:a16="http://schemas.microsoft.com/office/drawing/2014/main" id="{4763BD01-081A-5B4D-59C3-520ECF8CCE00}"/>
+              </a:ext>
+            </a:extLst>
+          </p:cNvPr>
+          <p:cNvSpPr>
+            <a:spLocks noChangeArrowheads="1"/>
+          </p:cNvSpPr>
+          <p:nvPr/>
+        </p:nvSpPr>
+        <p:spPr bwMode="auto">
+          <a:xfrm>
+            <a:off x="838200" y="1454820"/>
+            <a:ext cx="3891322" cy="4708981"/>
+          </a:xfrm>
+          <a:prstGeom prst="rect">
+            <a:avLst/>
+          </a:prstGeom>
+          <a:noFill/>
+          <a:ln>
+            <a:noFill/>
+          </a:ln>
+          <a:effectLst/>
+          <a:extLst>
+            <a:ext uri="{909E8E84-426E-40DD-AFC4-6F175D3DCCD1}">
+              <a14:hiddenFill xmlns:a14="http://schemas.microsoft.com/office/drawing/2010/main">
+                <a:solidFill>
+                  <a:schemeClr val="accent1"/>
+                </a:solidFill>
+              </a14:hiddenFill>
+            </a:ext>
+            <a:ext uri="{91240B29-F687-4F45-9708-019B960494DF}">
+              <a14:hiddenLine xmlns:a14="http://schemas.microsoft.com/office/drawing/2010/main" w="9525">
+                <a:solidFill>
+                  <a:schemeClr val="tx1"/>
+                </a:solidFill>
+                <a:miter lim="800000"/>
+                <a:headEnd/>
+                <a:tailEnd/>
+              </a14:hiddenLine>
+            </a:ext>
+            <a:ext uri="{AF507438-7753-43E0-B8FC-AC1667EBCBE1}">
+              <a14:hiddenEffects xmlns:a14="http://schemas.microsoft.com/office/drawing/2010/main">
+                <a:effectLst>
+                  <a:outerShdw dist="35921" dir="2700000" algn="ctr" rotWithShape="0">
+                    <a:schemeClr val="bg2"/>
+                  </a:outerShdw>
+                </a:effectLst>
+              </a14:hiddenEffects>
+            </a:ext>
+          </a:extLst>
+        </p:spPr>
+        <p:txBody>
+          <a:bodyPr vert="horz" wrap="none" lIns="91440" tIns="45720" rIns="91440" bIns="45720" numCol="1" anchor="ctr" anchorCtr="0" compatLnSpc="1">
+            <a:prstTxWarp prst="textNoShape">
+              <a:avLst/>
+            </a:prstTxWarp>
+            <a:spAutoFit/>
+          </a:bodyPr>
+          <a:lstStyle/>
+          <a:p>
+            <a:pPr marL="0" marR="0" lvl="0" indent="0" algn="l" defTabSz="914400" rtl="0" eaLnBrk="0" fontAlgn="base" latinLnBrk="0" hangingPunct="0">
+              <a:lnSpc>
+                <a:spcPct val="100000"/>
+              </a:lnSpc>
+              <a:spcBef>
+                <a:spcPct val="0"/>
+              </a:spcBef>
+              <a:spcAft>
+                <a:spcPct val="0"/>
+              </a:spcAft>
+              <a:buClrTx/>
+              <a:buSzTx/>
+              <a:buFontTx/>
+              <a:buChar char="•"/>
+              <a:tabLst/>
+            </a:pPr>
+            <a:r>
+              <a:rPr kumimoji="0" lang="en-BE" altLang="en-BE" sz="2000" b="1" i="0" u="none" strike="noStrike" cap="none" normalizeH="0" baseline="0" dirty="0">
+                <a:ln>
+                  <a:noFill/>
+                </a:ln>
+                <a:solidFill>
+                  <a:schemeClr val="tx1"/>
+                </a:solidFill>
+                <a:effectLst/>
+                <a:latin typeface="Arial" panose="020B0604020202020204" pitchFamily="34" charset="0"/>
+              </a:rPr>
+              <a:t>Project Preparation</a:t>
+            </a:r>
+            <a:endParaRPr kumimoji="0" lang="nl-BE" altLang="en-BE" sz="2000" b="1" i="0" u="none" strike="noStrike" cap="none" normalizeH="0" baseline="0" dirty="0">
+              <a:ln>
+                <a:noFill/>
+              </a:ln>
+              <a:solidFill>
+                <a:schemeClr val="tx1"/>
+              </a:solidFill>
+              <a:effectLst/>
+              <a:latin typeface="Arial" panose="020B0604020202020204" pitchFamily="34" charset="0"/>
+            </a:endParaRPr>
+          </a:p>
+          <a:p>
+            <a:pPr marL="0" marR="0" lvl="0" indent="0" algn="l" defTabSz="914400" rtl="0" eaLnBrk="0" fontAlgn="base" latinLnBrk="0" hangingPunct="0">
+              <a:lnSpc>
+                <a:spcPct val="100000"/>
+              </a:lnSpc>
+              <a:spcBef>
+                <a:spcPct val="0"/>
+              </a:spcBef>
+              <a:spcAft>
+                <a:spcPct val="0"/>
+              </a:spcAft>
+              <a:buClrTx/>
+              <a:buSzTx/>
+              <a:buFontTx/>
+              <a:buChar char="•"/>
+              <a:tabLst/>
+            </a:pPr>
+            <a:endParaRPr kumimoji="0" lang="en-BE" altLang="en-BE" sz="2000" b="0" i="0" u="none" strike="noStrike" cap="none" normalizeH="0" baseline="0" dirty="0">
+              <a:ln>
+                <a:noFill/>
+              </a:ln>
+              <a:solidFill>
+                <a:schemeClr val="tx1"/>
+              </a:solidFill>
+              <a:effectLst/>
+              <a:latin typeface="Arial" panose="020B0604020202020204" pitchFamily="34" charset="0"/>
+            </a:endParaRPr>
+          </a:p>
+          <a:p>
+            <a:pPr marL="0" marR="0" lvl="0" indent="0" algn="l" defTabSz="914400" rtl="0" eaLnBrk="0" fontAlgn="base" latinLnBrk="0" hangingPunct="0">
+              <a:lnSpc>
+                <a:spcPct val="100000"/>
+              </a:lnSpc>
+              <a:spcBef>
+                <a:spcPct val="0"/>
+              </a:spcBef>
+              <a:spcAft>
+                <a:spcPct val="0"/>
+              </a:spcAft>
+              <a:buClrTx/>
+              <a:buSzTx/>
+              <a:buFontTx/>
+              <a:buChar char="•"/>
+              <a:tabLst/>
+            </a:pPr>
+            <a:r>
+              <a:rPr kumimoji="0" lang="en-BE" altLang="en-BE" sz="2000" b="1" i="0" u="none" strike="noStrike" cap="none" normalizeH="0" baseline="0" dirty="0">
+                <a:ln>
+                  <a:noFill/>
+                </a:ln>
+                <a:solidFill>
+                  <a:schemeClr val="tx1"/>
+                </a:solidFill>
+                <a:effectLst/>
+                <a:latin typeface="Arial" panose="020B0604020202020204" pitchFamily="34" charset="0"/>
+              </a:rPr>
+              <a:t>Impulse Design</a:t>
+            </a:r>
+            <a:endParaRPr kumimoji="0" lang="nl-BE" altLang="en-BE" sz="2000" b="1" i="0" u="none" strike="noStrike" cap="none" normalizeH="0" baseline="0" dirty="0">
+              <a:ln>
+                <a:noFill/>
+              </a:ln>
+              <a:solidFill>
+                <a:schemeClr val="tx1"/>
+              </a:solidFill>
+              <a:effectLst/>
+              <a:latin typeface="Arial" panose="020B0604020202020204" pitchFamily="34" charset="0"/>
+            </a:endParaRPr>
+          </a:p>
+          <a:p>
+            <a:pPr marL="0" marR="0" lvl="0" indent="0" algn="l" defTabSz="914400" rtl="0" eaLnBrk="0" fontAlgn="base" latinLnBrk="0" hangingPunct="0">
+              <a:lnSpc>
+                <a:spcPct val="100000"/>
+              </a:lnSpc>
+              <a:spcBef>
+                <a:spcPct val="0"/>
+              </a:spcBef>
+              <a:spcAft>
+                <a:spcPct val="0"/>
+              </a:spcAft>
+              <a:buClrTx/>
+              <a:buSzTx/>
+              <a:buFontTx/>
+              <a:buChar char="•"/>
+              <a:tabLst/>
+            </a:pPr>
+            <a:endParaRPr kumimoji="0" lang="en-BE" altLang="en-BE" sz="2000" b="0" i="0" u="none" strike="noStrike" cap="none" normalizeH="0" baseline="0" dirty="0">
+              <a:ln>
+                <a:noFill/>
+              </a:ln>
+              <a:solidFill>
+                <a:schemeClr val="tx1"/>
+              </a:solidFill>
+              <a:effectLst/>
+              <a:latin typeface="Arial" panose="020B0604020202020204" pitchFamily="34" charset="0"/>
+            </a:endParaRPr>
+          </a:p>
+          <a:p>
+            <a:pPr marL="0" marR="0" lvl="0" indent="0" algn="l" defTabSz="914400" rtl="0" eaLnBrk="0" fontAlgn="base" latinLnBrk="0" hangingPunct="0">
+              <a:lnSpc>
+                <a:spcPct val="100000"/>
+              </a:lnSpc>
+              <a:spcBef>
+                <a:spcPct val="0"/>
+              </a:spcBef>
+              <a:spcAft>
+                <a:spcPct val="0"/>
+              </a:spcAft>
+              <a:buClrTx/>
+              <a:buSzTx/>
+              <a:buFontTx/>
+              <a:buChar char="•"/>
+              <a:tabLst/>
+            </a:pPr>
+            <a:r>
+              <a:rPr kumimoji="0" lang="en-BE" altLang="en-BE" sz="2000" b="1" i="0" u="none" strike="noStrike" cap="none" normalizeH="0" baseline="0" dirty="0">
+                <a:ln>
+                  <a:noFill/>
+                </a:ln>
+                <a:solidFill>
+                  <a:schemeClr val="tx1"/>
+                </a:solidFill>
+                <a:effectLst/>
+                <a:latin typeface="Arial" panose="020B0604020202020204" pitchFamily="34" charset="0"/>
+              </a:rPr>
+              <a:t>Model Training and Validation</a:t>
+            </a:r>
+            <a:endParaRPr kumimoji="0" lang="nl-BE" altLang="en-BE" sz="2000" b="1" i="0" u="none" strike="noStrike" cap="none" normalizeH="0" baseline="0" dirty="0">
+              <a:ln>
+                <a:noFill/>
+              </a:ln>
+              <a:solidFill>
+                <a:schemeClr val="tx1"/>
+              </a:solidFill>
+              <a:effectLst/>
+              <a:latin typeface="Arial" panose="020B0604020202020204" pitchFamily="34" charset="0"/>
+            </a:endParaRPr>
+          </a:p>
+          <a:p>
+            <a:pPr marL="0" marR="0" lvl="0" indent="0" algn="l" defTabSz="914400" rtl="0" eaLnBrk="0" fontAlgn="base" latinLnBrk="0" hangingPunct="0">
+              <a:lnSpc>
+                <a:spcPct val="100000"/>
+              </a:lnSpc>
+              <a:spcBef>
+                <a:spcPct val="0"/>
+              </a:spcBef>
+              <a:spcAft>
+                <a:spcPct val="0"/>
+              </a:spcAft>
+              <a:buClrTx/>
+              <a:buSzTx/>
+              <a:buFontTx/>
+              <a:buChar char="•"/>
+              <a:tabLst/>
+            </a:pPr>
+            <a:endParaRPr kumimoji="0" lang="en-BE" altLang="en-BE" sz="2000" b="0" i="0" u="none" strike="noStrike" cap="none" normalizeH="0" baseline="0" dirty="0">
+              <a:ln>
+                <a:noFill/>
+              </a:ln>
+              <a:solidFill>
+                <a:schemeClr val="tx1"/>
+              </a:solidFill>
+              <a:effectLst/>
+              <a:latin typeface="Arial" panose="020B0604020202020204" pitchFamily="34" charset="0"/>
+            </a:endParaRPr>
+          </a:p>
+          <a:p>
+            <a:pPr marL="0" marR="0" lvl="0" indent="0" algn="l" defTabSz="914400" rtl="0" eaLnBrk="0" fontAlgn="base" latinLnBrk="0" hangingPunct="0">
+              <a:lnSpc>
+                <a:spcPct val="100000"/>
+              </a:lnSpc>
+              <a:spcBef>
+                <a:spcPct val="0"/>
+              </a:spcBef>
+              <a:spcAft>
+                <a:spcPct val="0"/>
+              </a:spcAft>
+              <a:buClrTx/>
+              <a:buSzTx/>
+              <a:buFontTx/>
+              <a:buChar char="•"/>
+              <a:tabLst/>
+            </a:pPr>
+            <a:r>
+              <a:rPr kumimoji="0" lang="en-BE" altLang="en-BE" sz="2000" b="1" i="0" u="none" strike="noStrike" cap="none" normalizeH="0" baseline="0" dirty="0">
+                <a:ln>
+                  <a:noFill/>
+                </a:ln>
+                <a:solidFill>
+                  <a:schemeClr val="tx1"/>
+                </a:solidFill>
+                <a:effectLst/>
+                <a:latin typeface="Arial" panose="020B0604020202020204" pitchFamily="34" charset="0"/>
+              </a:rPr>
+              <a:t>Model Optimization</a:t>
+            </a:r>
+            <a:endParaRPr kumimoji="0" lang="nl-BE" altLang="en-BE" sz="2000" b="1" i="0" u="none" strike="noStrike" cap="none" normalizeH="0" baseline="0" dirty="0">
+              <a:ln>
+                <a:noFill/>
+              </a:ln>
+              <a:solidFill>
+                <a:schemeClr val="tx1"/>
+              </a:solidFill>
+              <a:effectLst/>
+              <a:latin typeface="Arial" panose="020B0604020202020204" pitchFamily="34" charset="0"/>
+            </a:endParaRPr>
+          </a:p>
+          <a:p>
+            <a:pPr marL="0" marR="0" lvl="0" indent="0" algn="l" defTabSz="914400" rtl="0" eaLnBrk="0" fontAlgn="base" latinLnBrk="0" hangingPunct="0">
+              <a:lnSpc>
+                <a:spcPct val="100000"/>
+              </a:lnSpc>
+              <a:spcBef>
+                <a:spcPct val="0"/>
+              </a:spcBef>
+              <a:spcAft>
+                <a:spcPct val="0"/>
+              </a:spcAft>
+              <a:buClrTx/>
+              <a:buSzTx/>
+              <a:buFontTx/>
+              <a:buChar char="•"/>
+              <a:tabLst/>
+            </a:pPr>
+            <a:endParaRPr kumimoji="0" lang="en-BE" altLang="en-BE" sz="2000" b="0" i="0" u="none" strike="noStrike" cap="none" normalizeH="0" baseline="0" dirty="0">
+              <a:ln>
+                <a:noFill/>
+              </a:ln>
+              <a:solidFill>
+                <a:schemeClr val="tx1"/>
+              </a:solidFill>
+              <a:effectLst/>
+              <a:latin typeface="Arial" panose="020B0604020202020204" pitchFamily="34" charset="0"/>
+            </a:endParaRPr>
+          </a:p>
+          <a:p>
+            <a:pPr marL="0" marR="0" lvl="0" indent="0" algn="l" defTabSz="914400" rtl="0" eaLnBrk="0" fontAlgn="base" latinLnBrk="0" hangingPunct="0">
+              <a:lnSpc>
+                <a:spcPct val="100000"/>
+              </a:lnSpc>
+              <a:spcBef>
+                <a:spcPct val="0"/>
+              </a:spcBef>
+              <a:spcAft>
+                <a:spcPct val="0"/>
+              </a:spcAft>
+              <a:buClrTx/>
+              <a:buSzTx/>
+              <a:buFontTx/>
+              <a:buChar char="•"/>
+              <a:tabLst/>
+            </a:pPr>
+            <a:r>
+              <a:rPr kumimoji="0" lang="en-BE" altLang="en-BE" sz="2000" b="1" i="0" u="none" strike="noStrike" cap="none" normalizeH="0" baseline="0" dirty="0">
+                <a:ln>
+                  <a:noFill/>
+                </a:ln>
+                <a:solidFill>
+                  <a:schemeClr val="tx1"/>
+                </a:solidFill>
+                <a:effectLst/>
+                <a:latin typeface="Arial" panose="020B0604020202020204" pitchFamily="34" charset="0"/>
+              </a:rPr>
+              <a:t>Testing and Evaluation</a:t>
+            </a:r>
+            <a:endParaRPr kumimoji="0" lang="nl-BE" altLang="en-BE" sz="2000" b="1" i="0" u="none" strike="noStrike" cap="none" normalizeH="0" baseline="0" dirty="0">
+              <a:ln>
+                <a:noFill/>
+              </a:ln>
+              <a:solidFill>
+                <a:schemeClr val="tx1"/>
+              </a:solidFill>
+              <a:effectLst/>
+              <a:latin typeface="Arial" panose="020B0604020202020204" pitchFamily="34" charset="0"/>
+            </a:endParaRPr>
+          </a:p>
+          <a:p>
+            <a:pPr marL="0" marR="0" lvl="0" indent="0" algn="l" defTabSz="914400" rtl="0" eaLnBrk="0" fontAlgn="base" latinLnBrk="0" hangingPunct="0">
+              <a:lnSpc>
+                <a:spcPct val="100000"/>
+              </a:lnSpc>
+              <a:spcBef>
+                <a:spcPct val="0"/>
+              </a:spcBef>
+              <a:spcAft>
+                <a:spcPct val="0"/>
+              </a:spcAft>
+              <a:buClrTx/>
+              <a:buSzTx/>
+              <a:buFontTx/>
+              <a:buChar char="•"/>
+              <a:tabLst/>
+            </a:pPr>
+            <a:endParaRPr kumimoji="0" lang="en-BE" altLang="en-BE" sz="2000" b="0" i="0" u="none" strike="noStrike" cap="none" normalizeH="0" baseline="0" dirty="0">
+              <a:ln>
+                <a:noFill/>
+              </a:ln>
+              <a:solidFill>
+                <a:schemeClr val="tx1"/>
+              </a:solidFill>
+              <a:effectLst/>
+              <a:latin typeface="Arial" panose="020B0604020202020204" pitchFamily="34" charset="0"/>
+            </a:endParaRPr>
+          </a:p>
+          <a:p>
+            <a:pPr marL="0" marR="0" lvl="0" indent="0" algn="l" defTabSz="914400" rtl="0" eaLnBrk="0" fontAlgn="base" latinLnBrk="0" hangingPunct="0">
+              <a:lnSpc>
+                <a:spcPct val="100000"/>
+              </a:lnSpc>
+              <a:spcBef>
+                <a:spcPct val="0"/>
+              </a:spcBef>
+              <a:spcAft>
+                <a:spcPct val="0"/>
+              </a:spcAft>
+              <a:buClrTx/>
+              <a:buSzTx/>
+              <a:buFontTx/>
+              <a:buChar char="•"/>
+              <a:tabLst/>
+            </a:pPr>
+            <a:r>
+              <a:rPr kumimoji="0" lang="en-BE" altLang="en-BE" sz="2000" b="1" i="0" u="none" strike="noStrike" cap="none" normalizeH="0" baseline="0" dirty="0">
+                <a:ln>
+                  <a:noFill/>
+                </a:ln>
+                <a:solidFill>
+                  <a:schemeClr val="tx1"/>
+                </a:solidFill>
+                <a:effectLst/>
+                <a:latin typeface="Arial" panose="020B0604020202020204" pitchFamily="34" charset="0"/>
+              </a:rPr>
+              <a:t>Device Integration</a:t>
+            </a:r>
+            <a:endParaRPr kumimoji="0" lang="nl-BE" altLang="en-BE" sz="2000" b="1" i="0" u="none" strike="noStrike" cap="none" normalizeH="0" baseline="0" dirty="0">
+              <a:ln>
+                <a:noFill/>
+              </a:ln>
+              <a:solidFill>
+                <a:schemeClr val="tx1"/>
+              </a:solidFill>
+              <a:effectLst/>
+              <a:latin typeface="Arial" panose="020B0604020202020204" pitchFamily="34" charset="0"/>
+            </a:endParaRPr>
+          </a:p>
+          <a:p>
+            <a:pPr marL="0" marR="0" lvl="0" indent="0" algn="l" defTabSz="914400" rtl="0" eaLnBrk="0" fontAlgn="base" latinLnBrk="0" hangingPunct="0">
+              <a:lnSpc>
+                <a:spcPct val="100000"/>
+              </a:lnSpc>
+              <a:spcBef>
+                <a:spcPct val="0"/>
+              </a:spcBef>
+              <a:spcAft>
+                <a:spcPct val="0"/>
+              </a:spcAft>
+              <a:buClrTx/>
+              <a:buSzTx/>
+              <a:buFontTx/>
+              <a:buChar char="•"/>
+              <a:tabLst/>
+            </a:pPr>
+            <a:endParaRPr kumimoji="0" lang="en-BE" altLang="en-BE" sz="2000" b="0" i="0" u="none" strike="noStrike" cap="none" normalizeH="0" baseline="0" dirty="0">
+              <a:ln>
+                <a:noFill/>
+              </a:ln>
+              <a:solidFill>
+                <a:schemeClr val="tx1"/>
+              </a:solidFill>
+              <a:effectLst/>
+              <a:latin typeface="Arial" panose="020B0604020202020204" pitchFamily="34" charset="0"/>
+            </a:endParaRPr>
+          </a:p>
+          <a:p>
+            <a:pPr marL="0" marR="0" lvl="0" indent="0" algn="l" defTabSz="914400" rtl="0" eaLnBrk="0" fontAlgn="base" latinLnBrk="0" hangingPunct="0">
+              <a:lnSpc>
+                <a:spcPct val="100000"/>
+              </a:lnSpc>
+              <a:spcBef>
+                <a:spcPct val="0"/>
+              </a:spcBef>
+              <a:spcAft>
+                <a:spcPct val="0"/>
+              </a:spcAft>
+              <a:buClrTx/>
+              <a:buSzTx/>
+              <a:buFontTx/>
+              <a:buChar char="•"/>
+              <a:tabLst/>
+            </a:pPr>
+            <a:r>
+              <a:rPr kumimoji="0" lang="en-BE" altLang="en-BE" sz="2000" b="1" i="0" u="none" strike="noStrike" cap="none" normalizeH="0" baseline="0" dirty="0">
+                <a:ln>
+                  <a:noFill/>
+                </a:ln>
+                <a:solidFill>
+                  <a:schemeClr val="tx1"/>
+                </a:solidFill>
+                <a:effectLst/>
+                <a:latin typeface="Arial" panose="020B0604020202020204" pitchFamily="34" charset="0"/>
+              </a:rPr>
+              <a:t>Deployment Options</a:t>
+            </a:r>
+            <a:endParaRPr kumimoji="0" lang="nl-BE" altLang="en-BE" sz="2000" b="1" i="0" u="none" strike="noStrike" cap="none" normalizeH="0" baseline="0" dirty="0">
+              <a:ln>
+                <a:noFill/>
+              </a:ln>
+              <a:solidFill>
+                <a:schemeClr val="tx1"/>
+              </a:solidFill>
+              <a:effectLst/>
+              <a:latin typeface="Arial" panose="020B0604020202020204" pitchFamily="34" charset="0"/>
+            </a:endParaRPr>
+          </a:p>
+          <a:p>
+            <a:pPr marL="0" marR="0" lvl="0" indent="0" algn="l" defTabSz="914400" rtl="0" eaLnBrk="0" fontAlgn="base" latinLnBrk="0" hangingPunct="0">
+              <a:lnSpc>
+                <a:spcPct val="100000"/>
+              </a:lnSpc>
+              <a:spcBef>
+                <a:spcPct val="0"/>
+              </a:spcBef>
+              <a:spcAft>
+                <a:spcPct val="0"/>
+              </a:spcAft>
+              <a:buClrTx/>
+              <a:buSzTx/>
+              <a:buFontTx/>
+              <a:buChar char="•"/>
+              <a:tabLst/>
+            </a:pPr>
+            <a:endParaRPr kumimoji="0" lang="en-BE" altLang="en-BE" sz="2000" b="0" i="0" u="none" strike="noStrike" cap="none" normalizeH="0" baseline="0" dirty="0">
+              <a:ln>
+                <a:noFill/>
+              </a:ln>
+              <a:solidFill>
+                <a:schemeClr val="tx1"/>
+              </a:solidFill>
+              <a:effectLst/>
+              <a:latin typeface="Arial" panose="020B0604020202020204" pitchFamily="34" charset="0"/>
+            </a:endParaRPr>
+          </a:p>
+          <a:p>
+            <a:pPr marL="0" marR="0" lvl="0" indent="0" algn="l" defTabSz="914400" rtl="0" eaLnBrk="0" fontAlgn="base" latinLnBrk="0" hangingPunct="0">
+              <a:lnSpc>
+                <a:spcPct val="100000"/>
+              </a:lnSpc>
+              <a:spcBef>
+                <a:spcPct val="0"/>
+              </a:spcBef>
+              <a:spcAft>
+                <a:spcPct val="0"/>
+              </a:spcAft>
+              <a:buClrTx/>
+              <a:buSzTx/>
+              <a:buFontTx/>
+              <a:buChar char="•"/>
+              <a:tabLst/>
+            </a:pPr>
+            <a:r>
+              <a:rPr kumimoji="0" lang="en-BE" altLang="en-BE" sz="2000" b="1" i="0" u="none" strike="noStrike" cap="none" normalizeH="0" baseline="0" dirty="0">
+                <a:ln>
+                  <a:noFill/>
+                </a:ln>
+                <a:solidFill>
+                  <a:schemeClr val="tx1"/>
+                </a:solidFill>
+                <a:effectLst/>
+                <a:latin typeface="Arial" panose="020B0604020202020204" pitchFamily="34" charset="0"/>
+              </a:rPr>
+              <a:t>Scalability and Application</a:t>
+            </a:r>
+            <a:r>
+              <a:rPr kumimoji="0" lang="en-BE" altLang="en-BE" sz="2000" b="0" i="0" u="none" strike="noStrike" cap="none" normalizeH="0" baseline="0" dirty="0">
+                <a:ln>
+                  <a:noFill/>
+                </a:ln>
+                <a:solidFill>
+                  <a:schemeClr val="tx1"/>
+                </a:solidFill>
+                <a:effectLst/>
+                <a:latin typeface="Arial" panose="020B0604020202020204" pitchFamily="34" charset="0"/>
+              </a:rPr>
+              <a:t> </a:t>
+            </a:r>
+          </a:p>
+        </p:txBody>
+      </p:sp>
     </p:spTree>
     <p:extLst>
       <p:ext uri="{BB962C8B-B14F-4D97-AF65-F5344CB8AC3E}">
@@ -5495,7 +5939,7 @@
           <p:cNvPr id="2" name="Titel 1">
             <a:extLst>
               <a:ext uri="{FF2B5EF4-FFF2-40B4-BE49-F238E27FC236}">
-                <a16:creationId xmlns:a16="http://schemas.microsoft.com/office/drawing/2014/main" id="{08F41CD9-3F96-135D-0CBA-3C99AA6C3B80}"/>
+                <a16:creationId xmlns:a16="http://schemas.microsoft.com/office/drawing/2014/main" id="{E8A6E018-0C91-EE2C-26D5-BEA0B0623A58}"/>
               </a:ext>
             </a:extLst>
           </p:cNvPr>
@@ -5513,7 +5957,7 @@
           <a:p>
             <a:r>
               <a:rPr lang="nl-BE" dirty="0"/>
-              <a:t>Visualisatie</a:t>
+              <a:t>Conclusie</a:t>
             </a:r>
             <a:endParaRPr lang="en-BE" dirty="0"/>
           </a:p>
@@ -5524,7 +5968,7 @@
           <p:cNvPr id="3" name="Tijdelijke aanduiding voor inhoud 2">
             <a:extLst>
               <a:ext uri="{FF2B5EF4-FFF2-40B4-BE49-F238E27FC236}">
-                <a16:creationId xmlns:a16="http://schemas.microsoft.com/office/drawing/2014/main" id="{0EB1F93D-FC74-0DE8-4CD0-C6644AB913C0}"/>
+                <a16:creationId xmlns:a16="http://schemas.microsoft.com/office/drawing/2014/main" id="{4D59C86B-6E6B-377C-6F6F-75C722F52CB0}"/>
               </a:ext>
             </a:extLst>
           </p:cNvPr>
@@ -5547,7 +5991,7 @@
     </p:spTree>
     <p:extLst>
       <p:ext uri="{BB962C8B-B14F-4D97-AF65-F5344CB8AC3E}">
-        <p14:creationId xmlns:p14="http://schemas.microsoft.com/office/powerpoint/2010/main" val="2963089302"/>
+        <p14:creationId xmlns:p14="http://schemas.microsoft.com/office/powerpoint/2010/main" val="135995110"/>
       </p:ext>
     </p:extLst>
   </p:cSld>
@@ -6148,15 +6592,6 @@
 </file>
 
 <file path=customXml/item1.xml><?xml version="1.0" encoding="utf-8"?>
-<?mso-contentType ?>
-<FormTemplates xmlns="http://schemas.microsoft.com/sharepoint/v3/contenttype/forms">
-  <Display>DocumentLibraryForm</Display>
-  <Edit>DocumentLibraryForm</Edit>
-  <New>DocumentLibraryForm</New>
-</FormTemplates>
-</file>
-
-<file path=customXml/item2.xml><?xml version="1.0" encoding="utf-8"?>
 <p:properties xmlns:p="http://schemas.microsoft.com/office/2006/metadata/properties" xmlns:xsi="http://www.w3.org/2001/XMLSchema-instance" xmlns:pc="http://schemas.microsoft.com/office/infopath/2007/PartnerControls">
   <documentManagement>
     <lcf76f155ced4ddcb4097134ff3c332f xmlns="72130799-62b9-4228-99a7-aa2c3adf5d0f">
@@ -6165,6 +6600,15 @@
     <TaxCatchAll xmlns="85c5b704-6165-4cae-8c2b-d1333ed995a2" xsi:nil="true"/>
   </documentManagement>
 </p:properties>
+</file>
+
+<file path=customXml/item2.xml><?xml version="1.0" encoding="utf-8"?>
+<?mso-contentType ?>
+<FormTemplates xmlns="http://schemas.microsoft.com/sharepoint/v3/contenttype/forms">
+  <Display>DocumentLibraryForm</Display>
+  <Edit>DocumentLibraryForm</Edit>
+  <New>DocumentLibraryForm</New>
+</FormTemplates>
 </file>
 
 <file path=customXml/item3.xml><?xml version="1.0" encoding="utf-8"?>
@@ -6403,14 +6847,6 @@
 </file>
 
 <file path=customXml/itemProps1.xml><?xml version="1.0" encoding="utf-8"?>
-<ds:datastoreItem xmlns:ds="http://schemas.openxmlformats.org/officeDocument/2006/customXml" ds:itemID="{EEC29095-F6A7-4598-BDCD-A548BB78D4DE}">
-  <ds:schemaRefs>
-    <ds:schemaRef ds:uri="http://schemas.microsoft.com/sharepoint/v3/contenttype/forms"/>
-  </ds:schemaRefs>
-</ds:datastoreItem>
-</file>
-
-<file path=customXml/itemProps2.xml><?xml version="1.0" encoding="utf-8"?>
 <ds:datastoreItem xmlns:ds="http://schemas.openxmlformats.org/officeDocument/2006/customXml" ds:itemID="{F6331DEB-7418-478E-859C-1AE282E78535}">
   <ds:schemaRefs>
     <ds:schemaRef ds:uri="72130799-62b9-4228-99a7-aa2c3adf5d0f"/>
@@ -6423,6 +6859,14 @@
     <ds:schemaRef ds:uri="http://schemas.microsoft.com/office/infopath/2007/PartnerControls"/>
     <ds:schemaRef ds:uri="http://schemas.openxmlformats.org/package/2006/metadata/core-properties"/>
     <ds:schemaRef ds:uri="http://www.w3.org/XML/1998/namespace"/>
+  </ds:schemaRefs>
+</ds:datastoreItem>
+</file>
+
+<file path=customXml/itemProps2.xml><?xml version="1.0" encoding="utf-8"?>
+<ds:datastoreItem xmlns:ds="http://schemas.openxmlformats.org/officeDocument/2006/customXml" ds:itemID="{EEC29095-F6A7-4598-BDCD-A548BB78D4DE}">
+  <ds:schemaRefs>
+    <ds:schemaRef ds:uri="http://schemas.microsoft.com/sharepoint/v3/contenttype/forms"/>
   </ds:schemaRefs>
 </ds:datastoreItem>
 </file>
